--- a/FinalTask/userDocs/img/Presentazione standard1.pptx
+++ b/FinalTask/userDocs/img/Presentazione standard1.pptx
@@ -7286,31 +7286,7 @@
                           </a:solidFill>
                           <a:latin typeface="Baskerville Old Face" panose="02020602080505020303" pitchFamily="18" charset="0"/>
                         </a:rPr>
-                        <a:t>Temperature </a:t>
-                      </a:r>
-                      <a:r>
-                        <a:rPr lang="it-IT" sz="2000" b="1" i="1" dirty="0" err="1">
-                          <a:solidFill>
-                            <a:schemeClr val="tx1">
-                              <a:lumMod val="65000"/>
-                              <a:lumOff val="35000"/>
-                            </a:schemeClr>
-                          </a:solidFill>
-                          <a:latin typeface="Baskerville Old Face" panose="02020602080505020303" pitchFamily="18" charset="0"/>
-                        </a:rPr>
-                        <a:t>too</a:t>
-                      </a:r>
-                      <a:r>
-                        <a:rPr lang="it-IT" sz="2000" b="1" i="1" dirty="0">
-                          <a:solidFill>
-                            <a:schemeClr val="tx1">
-                              <a:lumMod val="65000"/>
-                              <a:lumOff val="35000"/>
-                            </a:schemeClr>
-                          </a:solidFill>
-                          <a:latin typeface="Baskerville Old Face" panose="02020602080505020303" pitchFamily="18" charset="0"/>
-                        </a:rPr>
-                        <a:t> hot!  </a:t>
+                        <a:t>Temperature too hot!  </a:t>
                       </a:r>
                       <a:r>
                         <a:rPr lang="it-IT" sz="2000" b="0" i="1" dirty="0">

--- a/FinalTask/userDocs/img/Presentazione standard1.pptx
+++ b/FinalTask/userDocs/img/Presentazione standard1.pptx
@@ -6270,7 +6270,13 @@
           <p:cNvGraphicFramePr>
             <a:graphicFrameLocks noGrp="1"/>
           </p:cNvGraphicFramePr>
-          <p:nvPr/>
+          <p:nvPr>
+            <p:extLst>
+              <p:ext uri="{D42A27DB-BD31-4B8C-83A1-F6EECF244321}">
+                <p14:modId xmlns:p14="http://schemas.microsoft.com/office/powerpoint/2010/main" val="415799762"/>
+              </p:ext>
+            </p:extLst>
+          </p:nvPr>
         </p:nvGraphicFramePr>
         <p:xfrm>
           <a:off x="571500" y="1266543"/>
@@ -6300,12 +6306,9 @@
                       <a:endParaRPr lang="it-IT" dirty="0"/>
                     </a:p>
                     <a:p>
-                      <a:endParaRPr lang="it-IT" dirty="0"/>
-                    </a:p>
-                    <a:p>
                       <a:r>
                         <a:rPr lang="it-IT" sz="2000" dirty="0"/>
-                        <a:t>         </a:t>
+                        <a:t>              </a:t>
                       </a:r>
                       <a:r>
                         <a:rPr lang="it-IT" sz="2000" dirty="0">
@@ -6330,42 +6333,9 @@
                       <a:endParaRPr lang="it-IT" dirty="0"/>
                     </a:p>
                     <a:p>
-                      <a:endParaRPr lang="it-IT" dirty="0"/>
-                    </a:p>
-                    <a:p>
-                      <a:endParaRPr lang="it-IT" dirty="0"/>
-                    </a:p>
-                    <a:p>
-                      <a:endParaRPr lang="it-IT" dirty="0"/>
-                    </a:p>
-                    <a:p>
-                      <a:endParaRPr lang="it-IT" dirty="0"/>
-                    </a:p>
-                    <a:p>
-                      <a:endParaRPr lang="it-IT" dirty="0"/>
-                    </a:p>
-                    <a:p>
                       <a:r>
                         <a:rPr lang="it-IT" dirty="0"/>
                         <a:t>      </a:t>
-                      </a:r>
-                    </a:p>
-                    <a:p>
-                      <a:r>
-                        <a:rPr lang="it-IT" dirty="0">
-                          <a:solidFill>
-                            <a:schemeClr val="tx1"/>
-                          </a:solidFill>
-                        </a:rPr>
-                        <a:t>      </a:t>
-                      </a:r>
-                      <a:r>
-                        <a:rPr lang="it-IT" sz="2000" dirty="0">
-                          <a:solidFill>
-                            <a:schemeClr val="tx1"/>
-                          </a:solidFill>
-                        </a:rPr>
-                        <a:t>Transport trolley status</a:t>
                       </a:r>
                       <a:endParaRPr lang="it-IT" sz="2000" dirty="0"/>
                     </a:p>
@@ -6434,10 +6404,16 @@
           <p:cNvGraphicFramePr>
             <a:graphicFrameLocks noGrp="1"/>
           </p:cNvGraphicFramePr>
-          <p:nvPr/>
+          <p:nvPr>
+            <p:extLst>
+              <p:ext uri="{D42A27DB-BD31-4B8C-83A1-F6EECF244321}">
+                <p14:modId xmlns:p14="http://schemas.microsoft.com/office/powerpoint/2010/main" val="1943593420"/>
+              </p:ext>
+            </p:extLst>
+          </p:nvPr>
         </p:nvGraphicFramePr>
         <p:xfrm>
-          <a:off x="1062990" y="2334706"/>
+          <a:off x="1344234" y="2066712"/>
           <a:ext cx="2288540" cy="2023533"/>
         </p:xfrm>
         <a:graphic>
@@ -6702,7 +6678,7 @@
                     <a:bodyPr/>
                     <a:lstStyle/>
                     <a:p>
-                      <a:endParaRPr lang="it-IT"/>
+                      <a:endParaRPr lang="it-IT" dirty="0"/>
                     </a:p>
                   </a:txBody>
                   <a:tcPr>
@@ -6817,21 +6793,27 @@
       </p:graphicFrame>
       <p:graphicFrame>
         <p:nvGraphicFramePr>
-          <p:cNvPr id="12" name="Tabella 12">
-            <a:extLst>
-              <a:ext uri="{FF2B5EF4-FFF2-40B4-BE49-F238E27FC236}">
-                <a16:creationId xmlns:a16="http://schemas.microsoft.com/office/drawing/2014/main" id="{5DC371E1-2200-4FE7-B75B-932BA3B9FBC6}"/>
+          <p:cNvPr id="13" name="Tabella 13">
+            <a:extLst>
+              <a:ext uri="{FF2B5EF4-FFF2-40B4-BE49-F238E27FC236}">
+                <a16:creationId xmlns:a16="http://schemas.microsoft.com/office/drawing/2014/main" id="{B123343F-29F0-4768-B086-31ED2099CC41}"/>
               </a:ext>
             </a:extLst>
           </p:cNvPr>
           <p:cNvGraphicFramePr>
             <a:graphicFrameLocks noGrp="1"/>
           </p:cNvGraphicFramePr>
-          <p:nvPr/>
+          <p:nvPr>
+            <p:extLst>
+              <p:ext uri="{D42A27DB-BD31-4B8C-83A1-F6EECF244321}">
+                <p14:modId xmlns:p14="http://schemas.microsoft.com/office/powerpoint/2010/main" val="2176752893"/>
+              </p:ext>
+            </p:extLst>
+          </p:nvPr>
         </p:nvGraphicFramePr>
         <p:xfrm>
-          <a:off x="925830" y="5426402"/>
-          <a:ext cx="2654300" cy="624028"/>
+          <a:off x="4687282" y="1767377"/>
+          <a:ext cx="6190616" cy="4227023"/>
         </p:xfrm>
         <a:graphic>
           <a:graphicData uri="http://schemas.openxmlformats.org/drawingml/2006/table">
@@ -6840,131 +6822,7 @@
                 <a:tableStyleId>{5C22544A-7EE6-4342-B048-85BDC9FD1C3A}</a:tableStyleId>
               </a:tblPr>
               <a:tblGrid>
-                <a:gridCol w="2654300">
-                  <a:extLst>
-                    <a:ext uri="{9D8B030D-6E8A-4147-A177-3AD203B41FA5}">
-                      <a16:colId xmlns:a16="http://schemas.microsoft.com/office/drawing/2014/main" val="3390040938"/>
-                    </a:ext>
-                  </a:extLst>
-                </a:gridCol>
-              </a:tblGrid>
-              <a:tr h="624028">
-                <a:tc>
-                  <a:txBody>
-                    <a:bodyPr/>
-                    <a:lstStyle/>
-                    <a:p>
-                      <a:pPr algn="ctr"/>
-                      <a:r>
-                        <a:rPr lang="it-IT" b="1" i="1" dirty="0">
-                          <a:solidFill>
-                            <a:schemeClr val="tx1">
-                              <a:lumMod val="65000"/>
-                              <a:lumOff val="35000"/>
-                            </a:schemeClr>
-                          </a:solidFill>
-                        </a:rPr>
-                        <a:t>Working </a:t>
-                      </a:r>
-                      <a:r>
-                        <a:rPr lang="it-IT" b="0" i="1" dirty="0">
-                          <a:solidFill>
-                            <a:schemeClr val="tx1">
-                              <a:lumMod val="65000"/>
-                              <a:lumOff val="35000"/>
-                            </a:schemeClr>
-                          </a:solidFill>
-                        </a:rPr>
-                        <a:t>(example)</a:t>
-                      </a:r>
-                    </a:p>
-                  </a:txBody>
-                  <a:tcPr anchor="ctr">
-                    <a:lnL w="12700" cap="flat" cmpd="sng" algn="ctr">
-                      <a:solidFill>
-                        <a:schemeClr val="tx1"/>
-                      </a:solidFill>
-                      <a:prstDash val="solid"/>
-                      <a:round/>
-                      <a:headEnd type="none" w="med" len="med"/>
-                      <a:tailEnd type="none" w="med" len="med"/>
-                    </a:lnL>
-                    <a:lnR w="12700" cap="flat" cmpd="sng" algn="ctr">
-                      <a:solidFill>
-                        <a:schemeClr val="tx1"/>
-                      </a:solidFill>
-                      <a:prstDash val="solid"/>
-                      <a:round/>
-                      <a:headEnd type="none" w="med" len="med"/>
-                      <a:tailEnd type="none" w="med" len="med"/>
-                    </a:lnR>
-                    <a:lnT w="12700" cap="flat" cmpd="sng" algn="ctr">
-                      <a:solidFill>
-                        <a:schemeClr val="tx1"/>
-                      </a:solidFill>
-                      <a:prstDash val="solid"/>
-                      <a:round/>
-                      <a:headEnd type="none" w="med" len="med"/>
-                      <a:tailEnd type="none" w="med" len="med"/>
-                    </a:lnT>
-                    <a:lnB w="12700" cap="flat" cmpd="sng" algn="ctr">
-                      <a:solidFill>
-                        <a:schemeClr val="tx1"/>
-                      </a:solidFill>
-                      <a:prstDash val="solid"/>
-                      <a:round/>
-                      <a:headEnd type="none" w="med" len="med"/>
-                      <a:tailEnd type="none" w="med" len="med"/>
-                    </a:lnB>
-                    <a:lnTlToBr w="12700" cmpd="sng">
-                      <a:noFill/>
-                      <a:prstDash val="solid"/>
-                    </a:lnTlToBr>
-                    <a:lnBlToTr w="12700" cmpd="sng">
-                      <a:noFill/>
-                      <a:prstDash val="solid"/>
-                    </a:lnBlToTr>
-                    <a:solidFill>
-                      <a:schemeClr val="bg1"/>
-                    </a:solidFill>
-                  </a:tcPr>
-                </a:tc>
-                <a:extLst>
-                  <a:ext uri="{0D108BD9-81ED-4DB2-BD59-A6C34878D82A}">
-                    <a16:rowId xmlns:a16="http://schemas.microsoft.com/office/drawing/2014/main" val="2118668057"/>
-                  </a:ext>
-                </a:extLst>
-              </a:tr>
-            </a:tbl>
-          </a:graphicData>
-        </a:graphic>
-      </p:graphicFrame>
-      <p:graphicFrame>
-        <p:nvGraphicFramePr>
-          <p:cNvPr id="13" name="Tabella 13">
-            <a:extLst>
-              <a:ext uri="{FF2B5EF4-FFF2-40B4-BE49-F238E27FC236}">
-                <a16:creationId xmlns:a16="http://schemas.microsoft.com/office/drawing/2014/main" id="{B123343F-29F0-4768-B086-31ED2099CC41}"/>
-              </a:ext>
-            </a:extLst>
-          </p:cNvPr>
-          <p:cNvGraphicFramePr>
-            <a:graphicFrameLocks noGrp="1"/>
-          </p:cNvGraphicFramePr>
-          <p:nvPr/>
-        </p:nvGraphicFramePr>
-        <p:xfrm>
-          <a:off x="4552315" y="1569074"/>
-          <a:ext cx="5934710" cy="3007201"/>
-        </p:xfrm>
-        <a:graphic>
-          <a:graphicData uri="http://schemas.openxmlformats.org/drawingml/2006/table">
-            <a:tbl>
-              <a:tblPr firstRow="1" bandRow="1">
-                <a:tableStyleId>{5C22544A-7EE6-4342-B048-85BDC9FD1C3A}</a:tableStyleId>
-              </a:tblPr>
-              <a:tblGrid>
-                <a:gridCol w="5934710">
+                <a:gridCol w="6190616">
                   <a:extLst>
                     <a:ext uri="{9D8B030D-6E8A-4147-A177-3AD203B41FA5}">
                       <a16:colId xmlns:a16="http://schemas.microsoft.com/office/drawing/2014/main" val="3991991676"/>
@@ -6972,11 +6830,18 @@
                   </a:extLst>
                 </a:gridCol>
               </a:tblGrid>
-              <a:tr h="3007201">
+              <a:tr h="4227023">
                 <a:tc>
                   <a:txBody>
                     <a:bodyPr/>
                     <a:lstStyle/>
+                    <a:p>
+                      <a:endParaRPr lang="it-IT" sz="2000" dirty="0">
+                        <a:solidFill>
+                          <a:schemeClr val="tx1"/>
+                        </a:solidFill>
+                      </a:endParaRPr>
+                    </a:p>
                     <a:p>
                       <a:r>
                         <a:rPr lang="it-IT" sz="2000" dirty="0">
@@ -7103,55 +6968,24 @@
                       </a:endParaRPr>
                     </a:p>
                     <a:p>
-                      <a:pPr marL="0" marR="0" lvl="0" indent="0" algn="l" defTabSz="914400" rtl="0" eaLnBrk="1" fontAlgn="auto" latinLnBrk="0" hangingPunct="1">
-                        <a:lnSpc>
-                          <a:spcPct val="100000"/>
-                        </a:lnSpc>
-                        <a:spcBef>
-                          <a:spcPts val="0"/>
-                        </a:spcBef>
-                        <a:spcAft>
-                          <a:spcPts val="0"/>
-                        </a:spcAft>
-                        <a:buClrTx/>
-                        <a:buSzTx/>
-                        <a:buFontTx/>
-                        <a:buNone/>
-                        <a:tabLst/>
-                        <a:defRPr/>
-                      </a:pPr>
                       <a:r>
-                        <a:rPr lang="it-IT" sz="2000" i="0" dirty="0">
+                        <a:rPr lang="it-IT" sz="2000" dirty="0">
                           <a:solidFill>
                             <a:schemeClr val="tx1"/>
                           </a:solidFill>
                         </a:rPr>
-                        <a:t>Transport trolley:     </a:t>
-                      </a:r>
-                      <a:r>
-                        <a:rPr lang="it-IT" sz="1800" i="1" dirty="0">
-                          <a:solidFill>
-                            <a:schemeClr val="tx1">
-                              <a:lumMod val="65000"/>
-                              <a:lumOff val="35000"/>
-                            </a:schemeClr>
-                          </a:solidFill>
-                        </a:rPr>
-                        <a:t>START   </a:t>
-                      </a:r>
-                      <a:r>
-                        <a:rPr lang="it-IT" sz="1800" b="0" i="1" dirty="0">
-                          <a:solidFill>
-                            <a:schemeClr val="tx1">
-                              <a:lumMod val="65000"/>
-                              <a:lumOff val="35000"/>
-                            </a:schemeClr>
-                          </a:solidFill>
-                        </a:rPr>
-                        <a:t>(example)</a:t>
+                        <a:t> </a:t>
                       </a:r>
                     </a:p>
                     <a:p>
+                      <a:r>
+                        <a:rPr lang="it-IT" sz="2000" dirty="0">
+                          <a:solidFill>
+                            <a:schemeClr val="tx1"/>
+                          </a:solidFill>
+                        </a:rPr>
+                        <a:t>Transport trolley status:</a:t>
+                      </a:r>
                       <a:endParaRPr lang="it-IT" sz="2000" i="1" dirty="0">
                         <a:solidFill>
                           <a:schemeClr val="tx1">
@@ -7228,11 +7062,17 @@
           <p:cNvGraphicFramePr>
             <a:graphicFrameLocks noGrp="1"/>
           </p:cNvGraphicFramePr>
-          <p:nvPr/>
+          <p:nvPr>
+            <p:extLst>
+              <p:ext uri="{D42A27DB-BD31-4B8C-83A1-F6EECF244321}">
+                <p14:modId xmlns:p14="http://schemas.microsoft.com/office/powerpoint/2010/main" val="2732036492"/>
+              </p:ext>
+            </p:extLst>
+          </p:nvPr>
         </p:nvGraphicFramePr>
         <p:xfrm>
-          <a:off x="4306570" y="5098268"/>
-          <a:ext cx="6734810" cy="1050449"/>
+          <a:off x="852049" y="4450080"/>
+          <a:ext cx="3272911" cy="1717040"/>
         </p:xfrm>
         <a:graphic>
           <a:graphicData uri="http://schemas.openxmlformats.org/drawingml/2006/table">
@@ -7241,7 +7081,7 @@
                 <a:tableStyleId>{5C22544A-7EE6-4342-B048-85BDC9FD1C3A}</a:tableStyleId>
               </a:tblPr>
               <a:tblGrid>
-                <a:gridCol w="6734810">
+                <a:gridCol w="3272911">
                   <a:extLst>
                     <a:ext uri="{9D8B030D-6E8A-4147-A177-3AD203B41FA5}">
                       <a16:colId xmlns:a16="http://schemas.microsoft.com/office/drawing/2014/main" val="2930059785"/>
@@ -7249,7 +7089,7 @@
                   </a:extLst>
                 </a:gridCol>
               </a:tblGrid>
-              <a:tr h="1050449">
+              <a:tr h="1717040">
                 <a:tc>
                   <a:txBody>
                     <a:bodyPr/>
@@ -7273,6 +7113,18 @@
                         </a:rPr>
                         <a:t> </a:t>
                       </a:r>
+                    </a:p>
+                    <a:p>
+                      <a:pPr algn="ctr"/>
+                      <a:endParaRPr lang="it-IT" sz="2000" b="1" i="1" dirty="0">
+                        <a:solidFill>
+                          <a:schemeClr val="tx1">
+                            <a:lumMod val="65000"/>
+                            <a:lumOff val="35000"/>
+                          </a:schemeClr>
+                        </a:solidFill>
+                        <a:latin typeface="Baskerville Old Face" panose="02020602080505020303" pitchFamily="18" charset="0"/>
+                      </a:endParaRPr>
                     </a:p>
                     <a:p>
                       <a:pPr algn="ctr"/>
@@ -7369,11 +7221,17 @@
           <p:cNvGraphicFramePr>
             <a:graphicFrameLocks noGrp="1"/>
           </p:cNvGraphicFramePr>
-          <p:nvPr/>
+          <p:nvPr>
+            <p:extLst>
+              <p:ext uri="{D42A27DB-BD31-4B8C-83A1-F6EECF244321}">
+                <p14:modId xmlns:p14="http://schemas.microsoft.com/office/powerpoint/2010/main" val="723906386"/>
+              </p:ext>
+            </p:extLst>
+          </p:nvPr>
         </p:nvGraphicFramePr>
         <p:xfrm>
-          <a:off x="7799389" y="3895869"/>
-          <a:ext cx="1703070" cy="479062"/>
+          <a:off x="8327523" y="5071299"/>
+          <a:ext cx="1603093" cy="474602"/>
         </p:xfrm>
         <a:graphic>
           <a:graphicData uri="http://schemas.openxmlformats.org/drawingml/2006/table">
@@ -7382,7 +7240,7 @@
                 <a:tableStyleId>{5C22544A-7EE6-4342-B048-85BDC9FD1C3A}</a:tableStyleId>
               </a:tblPr>
               <a:tblGrid>
-                <a:gridCol w="1703070">
+                <a:gridCol w="1603093">
                   <a:extLst>
                     <a:ext uri="{9D8B030D-6E8A-4147-A177-3AD203B41FA5}">
                       <a16:colId xmlns:a16="http://schemas.microsoft.com/office/drawing/2014/main" val="2449920317"/>
@@ -7390,7 +7248,7 @@
                   </a:extLst>
                 </a:gridCol>
               </a:tblGrid>
-              <a:tr h="479062">
+              <a:tr h="474602">
                 <a:tc>
                   <a:txBody>
                     <a:bodyPr/>
@@ -7440,11 +7298,17 @@
           <p:cNvGraphicFramePr>
             <a:graphicFrameLocks noGrp="1"/>
           </p:cNvGraphicFramePr>
-          <p:nvPr/>
+          <p:nvPr>
+            <p:extLst>
+              <p:ext uri="{D42A27DB-BD31-4B8C-83A1-F6EECF244321}">
+                <p14:modId xmlns:p14="http://schemas.microsoft.com/office/powerpoint/2010/main" val="3379023841"/>
+              </p:ext>
+            </p:extLst>
+          </p:nvPr>
         </p:nvGraphicFramePr>
         <p:xfrm>
-          <a:off x="6771006" y="2748054"/>
-          <a:ext cx="1430337" cy="420801"/>
+          <a:off x="6904534" y="3286295"/>
+          <a:ext cx="1346370" cy="416883"/>
         </p:xfrm>
         <a:graphic>
           <a:graphicData uri="http://schemas.openxmlformats.org/drawingml/2006/table">
@@ -7453,7 +7317,7 @@
                 <a:tableStyleId>{5C22544A-7EE6-4342-B048-85BDC9FD1C3A}</a:tableStyleId>
               </a:tblPr>
               <a:tblGrid>
-                <a:gridCol w="1430337">
+                <a:gridCol w="1346370">
                   <a:extLst>
                     <a:ext uri="{9D8B030D-6E8A-4147-A177-3AD203B41FA5}">
                       <a16:colId xmlns:a16="http://schemas.microsoft.com/office/drawing/2014/main" val="2449920317"/>
@@ -7461,7 +7325,7 @@
                   </a:extLst>
                 </a:gridCol>
               </a:tblGrid>
-              <a:tr h="420801">
+              <a:tr h="416883">
                 <a:tc>
                   <a:txBody>
                     <a:bodyPr/>
@@ -7511,11 +7375,17 @@
           <p:cNvGraphicFramePr>
             <a:graphicFrameLocks noGrp="1"/>
           </p:cNvGraphicFramePr>
-          <p:nvPr/>
+          <p:nvPr>
+            <p:extLst>
+              <p:ext uri="{D42A27DB-BD31-4B8C-83A1-F6EECF244321}">
+                <p14:modId xmlns:p14="http://schemas.microsoft.com/office/powerpoint/2010/main" val="1412378336"/>
+              </p:ext>
+            </p:extLst>
+          </p:nvPr>
         </p:nvGraphicFramePr>
         <p:xfrm>
-          <a:off x="5289233" y="3895868"/>
-          <a:ext cx="1703070" cy="479063"/>
+          <a:off x="5601484" y="5071299"/>
+          <a:ext cx="1603093" cy="474603"/>
         </p:xfrm>
         <a:graphic>
           <a:graphicData uri="http://schemas.openxmlformats.org/drawingml/2006/table">
@@ -7524,7 +7394,7 @@
                 <a:tableStyleId>{5C22544A-7EE6-4342-B048-85BDC9FD1C3A}</a:tableStyleId>
               </a:tblPr>
               <a:tblGrid>
-                <a:gridCol w="1703070">
+                <a:gridCol w="1603093">
                   <a:extLst>
                     <a:ext uri="{9D8B030D-6E8A-4147-A177-3AD203B41FA5}">
                       <a16:colId xmlns:a16="http://schemas.microsoft.com/office/drawing/2014/main" val="2449920317"/>
@@ -7532,7 +7402,7 @@
                   </a:extLst>
                 </a:gridCol>
               </a:tblGrid>
-              <a:tr h="479063">
+              <a:tr h="474603">
                 <a:tc>
                   <a:txBody>
                     <a:bodyPr/>
@@ -7582,11 +7452,17 @@
           <p:cNvGraphicFramePr>
             <a:graphicFrameLocks noGrp="1"/>
           </p:cNvGraphicFramePr>
-          <p:nvPr/>
+          <p:nvPr>
+            <p:extLst>
+              <p:ext uri="{D42A27DB-BD31-4B8C-83A1-F6EECF244321}">
+                <p14:modId xmlns:p14="http://schemas.microsoft.com/office/powerpoint/2010/main" val="1479225221"/>
+              </p:ext>
+            </p:extLst>
+          </p:nvPr>
         </p:nvGraphicFramePr>
         <p:xfrm>
-          <a:off x="4809332" y="2751730"/>
-          <a:ext cx="1430337" cy="420801"/>
+          <a:off x="4942860" y="3289971"/>
+          <a:ext cx="1346370" cy="416883"/>
         </p:xfrm>
         <a:graphic>
           <a:graphicData uri="http://schemas.openxmlformats.org/drawingml/2006/table">
@@ -7595,7 +7471,7 @@
                 <a:tableStyleId>{5C22544A-7EE6-4342-B048-85BDC9FD1C3A}</a:tableStyleId>
               </a:tblPr>
               <a:tblGrid>
-                <a:gridCol w="1430337">
+                <a:gridCol w="1346370">
                   <a:extLst>
                     <a:ext uri="{9D8B030D-6E8A-4147-A177-3AD203B41FA5}">
                       <a16:colId xmlns:a16="http://schemas.microsoft.com/office/drawing/2014/main" val="2449920317"/>
@@ -7603,7 +7479,7 @@
                   </a:extLst>
                 </a:gridCol>
               </a:tblGrid>
-              <a:tr h="420801">
+              <a:tr h="416883">
                 <a:tc>
                   <a:txBody>
                     <a:bodyPr/>
@@ -7653,11 +7529,17 @@
           <p:cNvGraphicFramePr>
             <a:graphicFrameLocks noGrp="1"/>
           </p:cNvGraphicFramePr>
-          <p:nvPr/>
+          <p:nvPr>
+            <p:extLst>
+              <p:ext uri="{D42A27DB-BD31-4B8C-83A1-F6EECF244321}">
+                <p14:modId xmlns:p14="http://schemas.microsoft.com/office/powerpoint/2010/main" val="3475549712"/>
+              </p:ext>
+            </p:extLst>
+          </p:nvPr>
         </p:nvGraphicFramePr>
         <p:xfrm>
-          <a:off x="8732680" y="2748054"/>
-          <a:ext cx="1430337" cy="420801"/>
+          <a:off x="8866208" y="3286295"/>
+          <a:ext cx="1346370" cy="416883"/>
         </p:xfrm>
         <a:graphic>
           <a:graphicData uri="http://schemas.openxmlformats.org/drawingml/2006/table">
@@ -7666,7 +7548,7 @@
                 <a:tableStyleId>{5C22544A-7EE6-4342-B048-85BDC9FD1C3A}</a:tableStyleId>
               </a:tblPr>
               <a:tblGrid>
-                <a:gridCol w="1430337">
+                <a:gridCol w="1346370">
                   <a:extLst>
                     <a:ext uri="{9D8B030D-6E8A-4147-A177-3AD203B41FA5}">
                       <a16:colId xmlns:a16="http://schemas.microsoft.com/office/drawing/2014/main" val="2449920317"/>
@@ -7674,7 +7556,7 @@
                   </a:extLst>
                 </a:gridCol>
               </a:tblGrid>
-              <a:tr h="420801">
+              <a:tr h="416883">
                 <a:tc>
                   <a:txBody>
                     <a:bodyPr/>
@@ -7746,7 +7628,7 @@
         </p:blipFill>
         <p:spPr>
           <a:xfrm>
-            <a:off x="5524501" y="5117301"/>
+            <a:off x="2100248" y="4507701"/>
             <a:ext cx="388256" cy="309101"/>
           </a:xfrm>
           <a:prstGeom prst="rect">
@@ -7754,6 +7636,135 @@
           </a:prstGeom>
         </p:spPr>
       </p:pic>
+      <p:graphicFrame>
+        <p:nvGraphicFramePr>
+          <p:cNvPr id="3" name="Tabella 3">
+            <a:extLst>
+              <a:ext uri="{FF2B5EF4-FFF2-40B4-BE49-F238E27FC236}">
+                <a16:creationId xmlns:a16="http://schemas.microsoft.com/office/drawing/2014/main" id="{25BC9B9C-6F41-486E-AAA0-78593048D0B3}"/>
+              </a:ext>
+            </a:extLst>
+          </p:cNvPr>
+          <p:cNvGraphicFramePr>
+            <a:graphicFrameLocks noGrp="1"/>
+          </p:cNvGraphicFramePr>
+          <p:nvPr>
+            <p:extLst>
+              <p:ext uri="{D42A27DB-BD31-4B8C-83A1-F6EECF244321}">
+                <p14:modId xmlns:p14="http://schemas.microsoft.com/office/powerpoint/2010/main" val="2922325513"/>
+              </p:ext>
+            </p:extLst>
+          </p:nvPr>
+        </p:nvGraphicFramePr>
+        <p:xfrm>
+          <a:off x="7782590" y="4111528"/>
+          <a:ext cx="2282704" cy="622046"/>
+        </p:xfrm>
+        <a:graphic>
+          <a:graphicData uri="http://schemas.openxmlformats.org/drawingml/2006/table">
+            <a:tbl>
+              <a:tblPr firstRow="1" bandRow="1">
+                <a:effectLst>
+                  <a:outerShdw blurRad="63500" sx="102000" sy="102000" algn="ctr" rotWithShape="0">
+                    <a:prstClr val="black">
+                      <a:alpha val="40000"/>
+                    </a:prstClr>
+                  </a:outerShdw>
+                </a:effectLst>
+                <a:tableStyleId>{073A0DAA-6AF3-43AB-8588-CEC1D06C72B9}</a:tableStyleId>
+              </a:tblPr>
+              <a:tblGrid>
+                <a:gridCol w="2282704">
+                  <a:extLst>
+                    <a:ext uri="{9D8B030D-6E8A-4147-A177-3AD203B41FA5}">
+                      <a16:colId xmlns:a16="http://schemas.microsoft.com/office/drawing/2014/main" val="1131292813"/>
+                    </a:ext>
+                  </a:extLst>
+                </a:gridCol>
+              </a:tblGrid>
+              <a:tr h="622046">
+                <a:tc>
+                  <a:txBody>
+                    <a:bodyPr/>
+                    <a:lstStyle/>
+                    <a:p>
+                      <a:pPr marL="0" marR="0" lvl="0" indent="0" algn="ctr" defTabSz="914400" rtl="0" eaLnBrk="1" fontAlgn="auto" latinLnBrk="0" hangingPunct="1">
+                        <a:lnSpc>
+                          <a:spcPct val="100000"/>
+                        </a:lnSpc>
+                        <a:spcBef>
+                          <a:spcPts val="0"/>
+                        </a:spcBef>
+                        <a:spcAft>
+                          <a:spcPts val="0"/>
+                        </a:spcAft>
+                        <a:buClrTx/>
+                        <a:buSzTx/>
+                        <a:buFontTx/>
+                        <a:buNone/>
+                        <a:tabLst/>
+                        <a:defRPr/>
+                      </a:pPr>
+                      <a:r>
+                        <a:rPr lang="it-IT" b="1" i="1" dirty="0">
+                          <a:solidFill>
+                            <a:schemeClr val="tx1">
+                              <a:lumMod val="65000"/>
+                              <a:lumOff val="35000"/>
+                            </a:schemeClr>
+                          </a:solidFill>
+                        </a:rPr>
+                        <a:t>Working </a:t>
+                      </a:r>
+                      <a:r>
+                        <a:rPr lang="it-IT" b="0" i="1" dirty="0">
+                          <a:solidFill>
+                            <a:schemeClr val="tx1">
+                              <a:lumMod val="65000"/>
+                              <a:lumOff val="35000"/>
+                            </a:schemeClr>
+                          </a:solidFill>
+                        </a:rPr>
+                        <a:t>(example)</a:t>
+                      </a:r>
+                    </a:p>
+                  </a:txBody>
+                  <a:tcPr anchor="ctr">
+                    <a:lnL w="12700" cmpd="sng">
+                      <a:noFill/>
+                    </a:lnL>
+                    <a:lnR w="12700" cmpd="sng">
+                      <a:noFill/>
+                    </a:lnR>
+                    <a:lnT w="12700" cmpd="sng">
+                      <a:noFill/>
+                    </a:lnT>
+                    <a:lnB w="38100" cmpd="sng">
+                      <a:noFill/>
+                    </a:lnB>
+                    <a:lnTlToBr w="12700" cmpd="sng">
+                      <a:noFill/>
+                      <a:prstDash val="solid"/>
+                    </a:lnTlToBr>
+                    <a:lnBlToTr w="12700" cmpd="sng">
+                      <a:noFill/>
+                      <a:prstDash val="solid"/>
+                    </a:lnBlToTr>
+                    <a:solidFill>
+                      <a:schemeClr val="bg1"/>
+                    </a:solidFill>
+                  </a:tcPr>
+                </a:tc>
+                <a:extLst>
+                  <a:ext uri="{0D108BD9-81ED-4DB2-BD59-A6C34878D82A}">
+                    <a16:rowId xmlns:a16="http://schemas.microsoft.com/office/drawing/2014/main" val="1820003110"/>
+                  </a:ext>
+                </a:extLst>
+              </a:tr>
+            </a:tbl>
+          </a:graphicData>
+        </a:graphic>
+      </p:graphicFrame>
     </p:spTree>
     <p:extLst>
       <p:ext uri="{BB962C8B-B14F-4D97-AF65-F5344CB8AC3E}">

--- a/FinalTask/userDocs/img/Presentazione standard1.pptx
+++ b/FinalTask/userDocs/img/Presentazione standard1.pptx
@@ -5,10 +5,9 @@
     <p:sldMasterId id="2147483648" r:id="rId1"/>
   </p:sldMasterIdLst>
   <p:sldIdLst>
-    <p:sldId id="256" r:id="rId2"/>
-    <p:sldId id="257" r:id="rId3"/>
-    <p:sldId id="258" r:id="rId4"/>
-    <p:sldId id="259" r:id="rId5"/>
+    <p:sldId id="257" r:id="rId2"/>
+    <p:sldId id="258" r:id="rId3"/>
+    <p:sldId id="259" r:id="rId4"/>
   </p:sldIdLst>
   <p:sldSz cx="12192000" cy="6858000"/>
   <p:notesSz cx="6858000" cy="9144000"/>
@@ -262,7 +261,7 @@
           <a:p>
             <a:fld id="{23BD95F0-B459-402C-B37B-3F9206DF6621}" type="datetimeFigureOut">
               <a:rPr lang="it-IT" smtClean="0"/>
-              <a:t>22/06/2021</a:t>
+              <a:t>25/06/2021</a:t>
             </a:fld>
             <a:endParaRPr lang="it-IT"/>
           </a:p>
@@ -460,7 +459,7 @@
           <a:p>
             <a:fld id="{23BD95F0-B459-402C-B37B-3F9206DF6621}" type="datetimeFigureOut">
               <a:rPr lang="it-IT" smtClean="0"/>
-              <a:t>22/06/2021</a:t>
+              <a:t>25/06/2021</a:t>
             </a:fld>
             <a:endParaRPr lang="it-IT"/>
           </a:p>
@@ -668,7 +667,7 @@
           <a:p>
             <a:fld id="{23BD95F0-B459-402C-B37B-3F9206DF6621}" type="datetimeFigureOut">
               <a:rPr lang="it-IT" smtClean="0"/>
-              <a:t>22/06/2021</a:t>
+              <a:t>25/06/2021</a:t>
             </a:fld>
             <a:endParaRPr lang="it-IT"/>
           </a:p>
@@ -866,7 +865,7 @@
           <a:p>
             <a:fld id="{23BD95F0-B459-402C-B37B-3F9206DF6621}" type="datetimeFigureOut">
               <a:rPr lang="it-IT" smtClean="0"/>
-              <a:t>22/06/2021</a:t>
+              <a:t>25/06/2021</a:t>
             </a:fld>
             <a:endParaRPr lang="it-IT"/>
           </a:p>
@@ -1141,7 +1140,7 @@
           <a:p>
             <a:fld id="{23BD95F0-B459-402C-B37B-3F9206DF6621}" type="datetimeFigureOut">
               <a:rPr lang="it-IT" smtClean="0"/>
-              <a:t>22/06/2021</a:t>
+              <a:t>25/06/2021</a:t>
             </a:fld>
             <a:endParaRPr lang="it-IT"/>
           </a:p>
@@ -1406,7 +1405,7 @@
           <a:p>
             <a:fld id="{23BD95F0-B459-402C-B37B-3F9206DF6621}" type="datetimeFigureOut">
               <a:rPr lang="it-IT" smtClean="0"/>
-              <a:t>22/06/2021</a:t>
+              <a:t>25/06/2021</a:t>
             </a:fld>
             <a:endParaRPr lang="it-IT"/>
           </a:p>
@@ -1818,7 +1817,7 @@
           <a:p>
             <a:fld id="{23BD95F0-B459-402C-B37B-3F9206DF6621}" type="datetimeFigureOut">
               <a:rPr lang="it-IT" smtClean="0"/>
-              <a:t>22/06/2021</a:t>
+              <a:t>25/06/2021</a:t>
             </a:fld>
             <a:endParaRPr lang="it-IT"/>
           </a:p>
@@ -1959,7 +1958,7 @@
           <a:p>
             <a:fld id="{23BD95F0-B459-402C-B37B-3F9206DF6621}" type="datetimeFigureOut">
               <a:rPr lang="it-IT" smtClean="0"/>
-              <a:t>22/06/2021</a:t>
+              <a:t>25/06/2021</a:t>
             </a:fld>
             <a:endParaRPr lang="it-IT"/>
           </a:p>
@@ -2072,7 +2071,7 @@
           <a:p>
             <a:fld id="{23BD95F0-B459-402C-B37B-3F9206DF6621}" type="datetimeFigureOut">
               <a:rPr lang="it-IT" smtClean="0"/>
-              <a:t>22/06/2021</a:t>
+              <a:t>25/06/2021</a:t>
             </a:fld>
             <a:endParaRPr lang="it-IT"/>
           </a:p>
@@ -2383,7 +2382,7 @@
           <a:p>
             <a:fld id="{23BD95F0-B459-402C-B37B-3F9206DF6621}" type="datetimeFigureOut">
               <a:rPr lang="it-IT" smtClean="0"/>
-              <a:t>22/06/2021</a:t>
+              <a:t>25/06/2021</a:t>
             </a:fld>
             <a:endParaRPr lang="it-IT"/>
           </a:p>
@@ -2671,7 +2670,7 @@
           <a:p>
             <a:fld id="{23BD95F0-B459-402C-B37B-3F9206DF6621}" type="datetimeFigureOut">
               <a:rPr lang="it-IT" smtClean="0"/>
-              <a:t>22/06/2021</a:t>
+              <a:t>25/06/2021</a:t>
             </a:fld>
             <a:endParaRPr lang="it-IT"/>
           </a:p>
@@ -2912,7 +2911,7 @@
           <a:p>
             <a:fld id="{23BD95F0-B459-402C-B37B-3F9206DF6621}" type="datetimeFigureOut">
               <a:rPr lang="it-IT" smtClean="0"/>
-              <a:t>22/06/2021</a:t>
+              <a:t>25/06/2021</a:t>
             </a:fld>
             <a:endParaRPr lang="it-IT"/>
           </a:p>
@@ -3334,1428 +3333,6 @@
           <p:cNvPr id="4" name="Ovale 3">
             <a:extLst>
               <a:ext uri="{FF2B5EF4-FFF2-40B4-BE49-F238E27FC236}">
-                <a16:creationId xmlns:a16="http://schemas.microsoft.com/office/drawing/2014/main" id="{AE0F0235-F687-401F-BE26-684920C4ECB4}"/>
-              </a:ext>
-            </a:extLst>
-          </p:cNvPr>
-          <p:cNvSpPr/>
-          <p:nvPr/>
-        </p:nvSpPr>
-        <p:spPr>
-          <a:xfrm>
-            <a:off x="899184" y="2791877"/>
-            <a:ext cx="1857403" cy="1636769"/>
-          </a:xfrm>
-          <a:prstGeom prst="ellipse">
-            <a:avLst/>
-          </a:prstGeom>
-          <a:solidFill>
-            <a:schemeClr val="accent2">
-              <a:lumMod val="20000"/>
-              <a:lumOff val="80000"/>
-            </a:schemeClr>
-          </a:solidFill>
-          <a:ln w="12700">
-            <a:solidFill>
-              <a:schemeClr val="tx1"/>
-            </a:solidFill>
-          </a:ln>
-        </p:spPr>
-        <p:style>
-          <a:lnRef idx="2">
-            <a:schemeClr val="accent1">
-              <a:shade val="50000"/>
-            </a:schemeClr>
-          </a:lnRef>
-          <a:fillRef idx="1">
-            <a:schemeClr val="accent1"/>
-          </a:fillRef>
-          <a:effectRef idx="0">
-            <a:schemeClr val="accent1"/>
-          </a:effectRef>
-          <a:fontRef idx="minor">
-            <a:schemeClr val="lt1"/>
-          </a:fontRef>
-        </p:style>
-        <p:txBody>
-          <a:bodyPr rtlCol="0" anchor="ctr"/>
-          <a:lstStyle/>
-          <a:p>
-            <a:pPr algn="ctr"/>
-            <a:r>
-              <a:rPr lang="it-IT" sz="1400" dirty="0">
-                <a:solidFill>
-                  <a:schemeClr val="tx1"/>
-                </a:solidFill>
-                <a:latin typeface="Century Schoolbook" panose="02040604050505020304" pitchFamily="18" charset="0"/>
-              </a:rPr>
-              <a:t>Thermometer</a:t>
-            </a:r>
-          </a:p>
-          <a:p>
-            <a:pPr algn="ctr"/>
-            <a:r>
-              <a:rPr lang="it-IT" sz="1400" dirty="0">
-                <a:solidFill>
-                  <a:schemeClr val="tx1"/>
-                </a:solidFill>
-                <a:latin typeface="Century Schoolbook" panose="02040604050505020304" pitchFamily="18" charset="0"/>
-              </a:rPr>
-              <a:t>Actor</a:t>
-            </a:r>
-          </a:p>
-        </p:txBody>
-      </p:sp>
-      <p:sp>
-        <p:nvSpPr>
-          <p:cNvPr id="5" name="Triangolo isoscele 4">
-            <a:extLst>
-              <a:ext uri="{FF2B5EF4-FFF2-40B4-BE49-F238E27FC236}">
-                <a16:creationId xmlns:a16="http://schemas.microsoft.com/office/drawing/2014/main" id="{914288DA-991F-4C19-A5CE-E5CB0C0731F1}"/>
-              </a:ext>
-            </a:extLst>
-          </p:cNvPr>
-          <p:cNvSpPr/>
-          <p:nvPr/>
-        </p:nvSpPr>
-        <p:spPr>
-          <a:xfrm rot="16200000">
-            <a:off x="1723857" y="2700627"/>
-            <a:ext cx="334578" cy="182500"/>
-          </a:xfrm>
-          <a:prstGeom prst="triangle">
-            <a:avLst/>
-          </a:prstGeom>
-          <a:solidFill>
-            <a:srgbClr val="FF0000"/>
-          </a:solidFill>
-          <a:ln w="12700">
-            <a:solidFill>
-              <a:schemeClr val="tx1"/>
-            </a:solidFill>
-          </a:ln>
-        </p:spPr>
-        <p:style>
-          <a:lnRef idx="2">
-            <a:schemeClr val="accent1">
-              <a:shade val="50000"/>
-            </a:schemeClr>
-          </a:lnRef>
-          <a:fillRef idx="1">
-            <a:schemeClr val="accent1"/>
-          </a:fillRef>
-          <a:effectRef idx="0">
-            <a:schemeClr val="accent1"/>
-          </a:effectRef>
-          <a:fontRef idx="minor">
-            <a:schemeClr val="lt1"/>
-          </a:fontRef>
-        </p:style>
-        <p:txBody>
-          <a:bodyPr rtlCol="0" anchor="ctr"/>
-          <a:lstStyle/>
-          <a:p>
-            <a:pPr algn="ctr"/>
-            <a:endParaRPr lang="it-IT"/>
-          </a:p>
-        </p:txBody>
-      </p:sp>
-      <p:sp>
-        <p:nvSpPr>
-          <p:cNvPr id="6" name="Rettangolo 5">
-            <a:extLst>
-              <a:ext uri="{FF2B5EF4-FFF2-40B4-BE49-F238E27FC236}">
-                <a16:creationId xmlns:a16="http://schemas.microsoft.com/office/drawing/2014/main" id="{AD616CC5-B9E6-4B1F-9EDD-246A03CA3139}"/>
-              </a:ext>
-            </a:extLst>
-          </p:cNvPr>
-          <p:cNvSpPr/>
-          <p:nvPr/>
-        </p:nvSpPr>
-        <p:spPr>
-          <a:xfrm>
-            <a:off x="617362" y="3457119"/>
-            <a:ext cx="563643" cy="339520"/>
-          </a:xfrm>
-          <a:prstGeom prst="rect">
-            <a:avLst/>
-          </a:prstGeom>
-          <a:solidFill>
-            <a:schemeClr val="accent2">
-              <a:lumMod val="20000"/>
-              <a:lumOff val="80000"/>
-            </a:schemeClr>
-          </a:solidFill>
-          <a:ln w="12700">
-            <a:solidFill>
-              <a:schemeClr val="tx1"/>
-            </a:solidFill>
-          </a:ln>
-        </p:spPr>
-        <p:style>
-          <a:lnRef idx="2">
-            <a:schemeClr val="accent1">
-              <a:shade val="50000"/>
-            </a:schemeClr>
-          </a:lnRef>
-          <a:fillRef idx="1">
-            <a:schemeClr val="accent1"/>
-          </a:fillRef>
-          <a:effectRef idx="0">
-            <a:schemeClr val="accent1"/>
-          </a:effectRef>
-          <a:fontRef idx="minor">
-            <a:schemeClr val="lt1"/>
-          </a:fontRef>
-        </p:style>
-        <p:txBody>
-          <a:bodyPr rtlCol="0" anchor="ctr"/>
-          <a:lstStyle/>
-          <a:p>
-            <a:pPr algn="ctr"/>
-            <a:endParaRPr lang="it-IT"/>
-          </a:p>
-        </p:txBody>
-      </p:sp>
-      <p:sp>
-        <p:nvSpPr>
-          <p:cNvPr id="7" name="Ovale 6">
-            <a:extLst>
-              <a:ext uri="{FF2B5EF4-FFF2-40B4-BE49-F238E27FC236}">
-                <a16:creationId xmlns:a16="http://schemas.microsoft.com/office/drawing/2014/main" id="{89FC37F9-070A-4437-BCA4-685B862773B8}"/>
-              </a:ext>
-            </a:extLst>
-          </p:cNvPr>
-          <p:cNvSpPr/>
-          <p:nvPr/>
-        </p:nvSpPr>
-        <p:spPr>
-          <a:xfrm>
-            <a:off x="9293085" y="4567434"/>
-            <a:ext cx="1857403" cy="1636771"/>
-          </a:xfrm>
-          <a:prstGeom prst="ellipse">
-            <a:avLst/>
-          </a:prstGeom>
-          <a:solidFill>
-            <a:schemeClr val="accent2">
-              <a:lumMod val="20000"/>
-              <a:lumOff val="80000"/>
-            </a:schemeClr>
-          </a:solidFill>
-          <a:ln w="12700">
-            <a:solidFill>
-              <a:schemeClr val="tx1"/>
-            </a:solidFill>
-          </a:ln>
-        </p:spPr>
-        <p:style>
-          <a:lnRef idx="2">
-            <a:schemeClr val="accent1">
-              <a:shade val="50000"/>
-            </a:schemeClr>
-          </a:lnRef>
-          <a:fillRef idx="1">
-            <a:schemeClr val="accent1"/>
-          </a:fillRef>
-          <a:effectRef idx="0">
-            <a:schemeClr val="accent1"/>
-          </a:effectRef>
-          <a:fontRef idx="minor">
-            <a:schemeClr val="lt1"/>
-          </a:fontRef>
-        </p:style>
-        <p:txBody>
-          <a:bodyPr rtlCol="0" anchor="ctr"/>
-          <a:lstStyle/>
-          <a:p>
-            <a:pPr algn="ctr"/>
-            <a:r>
-              <a:rPr lang="it-IT" sz="1400" dirty="0">
-                <a:solidFill>
-                  <a:schemeClr val="tx1"/>
-                </a:solidFill>
-                <a:latin typeface="Century Schoolbook" panose="02040604050505020304" pitchFamily="18" charset="0"/>
-              </a:rPr>
-              <a:t>Transport Trolley</a:t>
-            </a:r>
-          </a:p>
-          <a:p>
-            <a:pPr algn="ctr"/>
-            <a:r>
-              <a:rPr lang="it-IT" sz="1400" dirty="0">
-                <a:solidFill>
-                  <a:schemeClr val="tx1"/>
-                </a:solidFill>
-                <a:latin typeface="Century Schoolbook" panose="02040604050505020304" pitchFamily="18" charset="0"/>
-              </a:rPr>
-              <a:t>Actor</a:t>
-            </a:r>
-          </a:p>
-        </p:txBody>
-      </p:sp>
-      <p:sp>
-        <p:nvSpPr>
-          <p:cNvPr id="9" name="Rettangolo 8">
-            <a:extLst>
-              <a:ext uri="{FF2B5EF4-FFF2-40B4-BE49-F238E27FC236}">
-                <a16:creationId xmlns:a16="http://schemas.microsoft.com/office/drawing/2014/main" id="{6403BA6C-73CA-4AD0-89FD-B22075ACF8A6}"/>
-              </a:ext>
-            </a:extLst>
-          </p:cNvPr>
-          <p:cNvSpPr/>
-          <p:nvPr/>
-        </p:nvSpPr>
-        <p:spPr>
-          <a:xfrm>
-            <a:off x="8774404" y="5218529"/>
-            <a:ext cx="774552" cy="334579"/>
-          </a:xfrm>
-          <a:prstGeom prst="rect">
-            <a:avLst/>
-          </a:prstGeom>
-          <a:solidFill>
-            <a:schemeClr val="accent2">
-              <a:lumMod val="20000"/>
-              <a:lumOff val="80000"/>
-            </a:schemeClr>
-          </a:solidFill>
-          <a:ln w="12700">
-            <a:solidFill>
-              <a:schemeClr val="tx1"/>
-            </a:solidFill>
-          </a:ln>
-        </p:spPr>
-        <p:style>
-          <a:lnRef idx="2">
-            <a:schemeClr val="accent1">
-              <a:shade val="50000"/>
-            </a:schemeClr>
-          </a:lnRef>
-          <a:fillRef idx="1">
-            <a:schemeClr val="accent1"/>
-          </a:fillRef>
-          <a:effectRef idx="0">
-            <a:schemeClr val="accent1"/>
-          </a:effectRef>
-          <a:fontRef idx="minor">
-            <a:schemeClr val="lt1"/>
-          </a:fontRef>
-        </p:style>
-        <p:txBody>
-          <a:bodyPr rtlCol="0" anchor="ctr"/>
-          <a:lstStyle/>
-          <a:p>
-            <a:pPr algn="ctr"/>
-            <a:endParaRPr lang="it-IT"/>
-          </a:p>
-        </p:txBody>
-      </p:sp>
-      <p:sp>
-        <p:nvSpPr>
-          <p:cNvPr id="14" name="Ovale 13">
-            <a:extLst>
-              <a:ext uri="{FF2B5EF4-FFF2-40B4-BE49-F238E27FC236}">
-                <a16:creationId xmlns:a16="http://schemas.microsoft.com/office/drawing/2014/main" id="{D730308E-50C2-4F0A-9A73-ABE09ACFC7BE}"/>
-              </a:ext>
-            </a:extLst>
-          </p:cNvPr>
-          <p:cNvSpPr/>
-          <p:nvPr/>
-        </p:nvSpPr>
-        <p:spPr>
-          <a:xfrm>
-            <a:off x="806000" y="759713"/>
-            <a:ext cx="1857403" cy="1636769"/>
-          </a:xfrm>
-          <a:prstGeom prst="ellipse">
-            <a:avLst/>
-          </a:prstGeom>
-          <a:solidFill>
-            <a:schemeClr val="accent2">
-              <a:lumMod val="20000"/>
-              <a:lumOff val="80000"/>
-            </a:schemeClr>
-          </a:solidFill>
-          <a:ln w="12700">
-            <a:solidFill>
-              <a:schemeClr val="tx1"/>
-            </a:solidFill>
-          </a:ln>
-        </p:spPr>
-        <p:style>
-          <a:lnRef idx="2">
-            <a:schemeClr val="accent1">
-              <a:shade val="50000"/>
-            </a:schemeClr>
-          </a:lnRef>
-          <a:fillRef idx="1">
-            <a:schemeClr val="accent1"/>
-          </a:fillRef>
-          <a:effectRef idx="0">
-            <a:schemeClr val="accent1"/>
-          </a:effectRef>
-          <a:fontRef idx="minor">
-            <a:schemeClr val="lt1"/>
-          </a:fontRef>
-        </p:style>
-        <p:txBody>
-          <a:bodyPr rtlCol="0" anchor="ctr"/>
-          <a:lstStyle/>
-          <a:p>
-            <a:pPr algn="ctr"/>
-            <a:r>
-              <a:rPr lang="it-IT" sz="1400" dirty="0">
-                <a:solidFill>
-                  <a:schemeClr val="tx1"/>
-                </a:solidFill>
-                <a:latin typeface="Century Schoolbook" panose="02040604050505020304" pitchFamily="18" charset="0"/>
-              </a:rPr>
-              <a:t>Weight Sensor</a:t>
-            </a:r>
-          </a:p>
-          <a:p>
-            <a:pPr algn="ctr"/>
-            <a:r>
-              <a:rPr lang="it-IT" sz="1400" dirty="0">
-                <a:solidFill>
-                  <a:schemeClr val="tx1"/>
-                </a:solidFill>
-                <a:latin typeface="Century Schoolbook" panose="02040604050505020304" pitchFamily="18" charset="0"/>
-              </a:rPr>
-              <a:t>Actor</a:t>
-            </a:r>
-          </a:p>
-        </p:txBody>
-      </p:sp>
-      <p:sp>
-        <p:nvSpPr>
-          <p:cNvPr id="15" name="Triangolo isoscele 14">
-            <a:extLst>
-              <a:ext uri="{FF2B5EF4-FFF2-40B4-BE49-F238E27FC236}">
-                <a16:creationId xmlns:a16="http://schemas.microsoft.com/office/drawing/2014/main" id="{92CE9E93-4516-46FF-BDA3-7E103FC05806}"/>
-              </a:ext>
-            </a:extLst>
-          </p:cNvPr>
-          <p:cNvSpPr/>
-          <p:nvPr/>
-        </p:nvSpPr>
-        <p:spPr>
-          <a:xfrm rot="16200000">
-            <a:off x="1529450" y="668463"/>
-            <a:ext cx="334579" cy="182501"/>
-          </a:xfrm>
-          <a:prstGeom prst="triangle">
-            <a:avLst/>
-          </a:prstGeom>
-          <a:solidFill>
-            <a:srgbClr val="FF0000"/>
-          </a:solidFill>
-          <a:ln w="12700">
-            <a:solidFill>
-              <a:schemeClr val="tx1"/>
-            </a:solidFill>
-          </a:ln>
-        </p:spPr>
-        <p:style>
-          <a:lnRef idx="2">
-            <a:schemeClr val="accent1">
-              <a:shade val="50000"/>
-            </a:schemeClr>
-          </a:lnRef>
-          <a:fillRef idx="1">
-            <a:schemeClr val="accent1"/>
-          </a:fillRef>
-          <a:effectRef idx="0">
-            <a:schemeClr val="accent1"/>
-          </a:effectRef>
-          <a:fontRef idx="minor">
-            <a:schemeClr val="lt1"/>
-          </a:fontRef>
-        </p:style>
-        <p:txBody>
-          <a:bodyPr rtlCol="0" anchor="ctr"/>
-          <a:lstStyle/>
-          <a:p>
-            <a:pPr algn="ctr"/>
-            <a:endParaRPr lang="it-IT"/>
-          </a:p>
-        </p:txBody>
-      </p:sp>
-      <p:sp>
-        <p:nvSpPr>
-          <p:cNvPr id="16" name="Rettangolo 15">
-            <a:extLst>
-              <a:ext uri="{FF2B5EF4-FFF2-40B4-BE49-F238E27FC236}">
-                <a16:creationId xmlns:a16="http://schemas.microsoft.com/office/drawing/2014/main" id="{2A90512A-9E37-483C-B175-4E3EADE12D1A}"/>
-              </a:ext>
-            </a:extLst>
-          </p:cNvPr>
-          <p:cNvSpPr/>
-          <p:nvPr/>
-        </p:nvSpPr>
-        <p:spPr>
-          <a:xfrm>
-            <a:off x="426473" y="1422486"/>
-            <a:ext cx="714644" cy="339520"/>
-          </a:xfrm>
-          <a:prstGeom prst="rect">
-            <a:avLst/>
-          </a:prstGeom>
-          <a:solidFill>
-            <a:schemeClr val="accent2">
-              <a:lumMod val="20000"/>
-              <a:lumOff val="80000"/>
-            </a:schemeClr>
-          </a:solidFill>
-          <a:ln w="12700">
-            <a:solidFill>
-              <a:schemeClr val="tx1"/>
-            </a:solidFill>
-          </a:ln>
-        </p:spPr>
-        <p:style>
-          <a:lnRef idx="2">
-            <a:schemeClr val="accent1">
-              <a:shade val="50000"/>
-            </a:schemeClr>
-          </a:lnRef>
-          <a:fillRef idx="1">
-            <a:schemeClr val="accent1"/>
-          </a:fillRef>
-          <a:effectRef idx="0">
-            <a:schemeClr val="accent1"/>
-          </a:effectRef>
-          <a:fontRef idx="minor">
-            <a:schemeClr val="lt1"/>
-          </a:fontRef>
-        </p:style>
-        <p:txBody>
-          <a:bodyPr rtlCol="0" anchor="ctr"/>
-          <a:lstStyle/>
-          <a:p>
-            <a:pPr algn="ctr"/>
-            <a:endParaRPr lang="it-IT"/>
-          </a:p>
-        </p:txBody>
-      </p:sp>
-      <p:sp>
-        <p:nvSpPr>
-          <p:cNvPr id="17" name="Ovale 16">
-            <a:extLst>
-              <a:ext uri="{FF2B5EF4-FFF2-40B4-BE49-F238E27FC236}">
-                <a16:creationId xmlns:a16="http://schemas.microsoft.com/office/drawing/2014/main" id="{61477D68-C5DB-4C9A-A5CE-C789181B086D}"/>
-              </a:ext>
-            </a:extLst>
-          </p:cNvPr>
-          <p:cNvSpPr/>
-          <p:nvPr/>
-        </p:nvSpPr>
-        <p:spPr>
-          <a:xfrm>
-            <a:off x="9528597" y="611693"/>
-            <a:ext cx="1857403" cy="1636770"/>
-          </a:xfrm>
-          <a:prstGeom prst="ellipse">
-            <a:avLst/>
-          </a:prstGeom>
-          <a:solidFill>
-            <a:schemeClr val="accent2">
-              <a:lumMod val="20000"/>
-              <a:lumOff val="80000"/>
-            </a:schemeClr>
-          </a:solidFill>
-          <a:ln w="12700">
-            <a:solidFill>
-              <a:schemeClr val="tx1"/>
-            </a:solidFill>
-          </a:ln>
-        </p:spPr>
-        <p:style>
-          <a:lnRef idx="2">
-            <a:schemeClr val="accent1">
-              <a:shade val="50000"/>
-            </a:schemeClr>
-          </a:lnRef>
-          <a:fillRef idx="1">
-            <a:schemeClr val="accent1"/>
-          </a:fillRef>
-          <a:effectRef idx="0">
-            <a:schemeClr val="accent1"/>
-          </a:effectRef>
-          <a:fontRef idx="minor">
-            <a:schemeClr val="lt1"/>
-          </a:fontRef>
-        </p:style>
-        <p:txBody>
-          <a:bodyPr rtlCol="0" anchor="ctr"/>
-          <a:lstStyle/>
-          <a:p>
-            <a:pPr algn="ctr"/>
-            <a:r>
-              <a:rPr lang="it-IT" sz="1400" dirty="0">
-                <a:solidFill>
-                  <a:schemeClr val="tx1"/>
-                </a:solidFill>
-                <a:latin typeface="Century Schoolbook" panose="02040604050505020304" pitchFamily="18" charset="0"/>
-              </a:rPr>
-              <a:t>Fan</a:t>
-            </a:r>
-          </a:p>
-          <a:p>
-            <a:pPr algn="ctr"/>
-            <a:r>
-              <a:rPr lang="it-IT" sz="1400" dirty="0">
-                <a:solidFill>
-                  <a:schemeClr val="tx1"/>
-                </a:solidFill>
-                <a:latin typeface="Century Schoolbook" panose="02040604050505020304" pitchFamily="18" charset="0"/>
-              </a:rPr>
-              <a:t>Actor</a:t>
-            </a:r>
-          </a:p>
-        </p:txBody>
-      </p:sp>
-      <p:sp>
-        <p:nvSpPr>
-          <p:cNvPr id="19" name="Rettangolo 18">
-            <a:extLst>
-              <a:ext uri="{FF2B5EF4-FFF2-40B4-BE49-F238E27FC236}">
-                <a16:creationId xmlns:a16="http://schemas.microsoft.com/office/drawing/2014/main" id="{D0D196ED-8B3E-49CA-8474-7BC6D32F1734}"/>
-              </a:ext>
-            </a:extLst>
-          </p:cNvPr>
-          <p:cNvSpPr/>
-          <p:nvPr/>
-        </p:nvSpPr>
-        <p:spPr>
-          <a:xfrm>
-            <a:off x="9092963" y="1192944"/>
-            <a:ext cx="714644" cy="339520"/>
-          </a:xfrm>
-          <a:prstGeom prst="rect">
-            <a:avLst/>
-          </a:prstGeom>
-          <a:solidFill>
-            <a:schemeClr val="accent2">
-              <a:lumMod val="20000"/>
-              <a:lumOff val="80000"/>
-            </a:schemeClr>
-          </a:solidFill>
-          <a:ln w="12700">
-            <a:solidFill>
-              <a:schemeClr val="tx1"/>
-            </a:solidFill>
-          </a:ln>
-        </p:spPr>
-        <p:style>
-          <a:lnRef idx="2">
-            <a:schemeClr val="accent1">
-              <a:shade val="50000"/>
-            </a:schemeClr>
-          </a:lnRef>
-          <a:fillRef idx="1">
-            <a:schemeClr val="accent1"/>
-          </a:fillRef>
-          <a:effectRef idx="0">
-            <a:schemeClr val="accent1"/>
-          </a:effectRef>
-          <a:fontRef idx="minor">
-            <a:schemeClr val="lt1"/>
-          </a:fontRef>
-        </p:style>
-        <p:txBody>
-          <a:bodyPr rtlCol="0" anchor="ctr"/>
-          <a:lstStyle/>
-          <a:p>
-            <a:pPr algn="ctr"/>
-            <a:endParaRPr lang="it-IT"/>
-          </a:p>
-        </p:txBody>
-      </p:sp>
-      <p:sp>
-        <p:nvSpPr>
-          <p:cNvPr id="23" name="Ovale 22">
-            <a:extLst>
-              <a:ext uri="{FF2B5EF4-FFF2-40B4-BE49-F238E27FC236}">
-                <a16:creationId xmlns:a16="http://schemas.microsoft.com/office/drawing/2014/main" id="{BBCA4ED2-540F-47F3-A6A9-2638DE17168D}"/>
-              </a:ext>
-            </a:extLst>
-          </p:cNvPr>
-          <p:cNvSpPr/>
-          <p:nvPr/>
-        </p:nvSpPr>
-        <p:spPr>
-          <a:xfrm>
-            <a:off x="939594" y="4970206"/>
-            <a:ext cx="1905929" cy="1636771"/>
-          </a:xfrm>
-          <a:prstGeom prst="ellipse">
-            <a:avLst/>
-          </a:prstGeom>
-          <a:solidFill>
-            <a:schemeClr val="accent2">
-              <a:lumMod val="20000"/>
-              <a:lumOff val="80000"/>
-            </a:schemeClr>
-          </a:solidFill>
-          <a:ln w="12700">
-            <a:solidFill>
-              <a:schemeClr val="tx1"/>
-            </a:solidFill>
-          </a:ln>
-        </p:spPr>
-        <p:style>
-          <a:lnRef idx="2">
-            <a:schemeClr val="accent1">
-              <a:shade val="50000"/>
-            </a:schemeClr>
-          </a:lnRef>
-          <a:fillRef idx="1">
-            <a:schemeClr val="accent1"/>
-          </a:fillRef>
-          <a:effectRef idx="0">
-            <a:schemeClr val="accent1"/>
-          </a:effectRef>
-          <a:fontRef idx="minor">
-            <a:schemeClr val="lt1"/>
-          </a:fontRef>
-        </p:style>
-        <p:txBody>
-          <a:bodyPr rtlCol="0" anchor="ctr"/>
-          <a:lstStyle/>
-          <a:p>
-            <a:pPr algn="ctr"/>
-            <a:r>
-              <a:rPr lang="it-IT" sz="1400" dirty="0" err="1">
-                <a:solidFill>
-                  <a:schemeClr val="tx1"/>
-                </a:solidFill>
-                <a:latin typeface="Century Schoolbook" panose="02040604050505020304" pitchFamily="18" charset="0"/>
-              </a:rPr>
-              <a:t>Outsonar</a:t>
-            </a:r>
-            <a:endParaRPr lang="it-IT" sz="1400" dirty="0">
-              <a:solidFill>
-                <a:schemeClr val="tx1"/>
-              </a:solidFill>
-              <a:latin typeface="Century Schoolbook" panose="02040604050505020304" pitchFamily="18" charset="0"/>
-            </a:endParaRPr>
-          </a:p>
-          <a:p>
-            <a:pPr algn="ctr"/>
-            <a:r>
-              <a:rPr lang="it-IT" sz="1400" dirty="0">
-                <a:solidFill>
-                  <a:schemeClr val="tx1"/>
-                </a:solidFill>
-                <a:latin typeface="Century Schoolbook" panose="02040604050505020304" pitchFamily="18" charset="0"/>
-              </a:rPr>
-              <a:t>Actor</a:t>
-            </a:r>
-          </a:p>
-        </p:txBody>
-      </p:sp>
-      <p:sp>
-        <p:nvSpPr>
-          <p:cNvPr id="25" name="Rettangolo 24">
-            <a:extLst>
-              <a:ext uri="{FF2B5EF4-FFF2-40B4-BE49-F238E27FC236}">
-                <a16:creationId xmlns:a16="http://schemas.microsoft.com/office/drawing/2014/main" id="{F21F5878-EC00-4196-A658-CC0F42AA5337}"/>
-              </a:ext>
-            </a:extLst>
-          </p:cNvPr>
-          <p:cNvSpPr/>
-          <p:nvPr/>
-        </p:nvSpPr>
-        <p:spPr>
-          <a:xfrm>
-            <a:off x="503960" y="5551458"/>
-            <a:ext cx="714644" cy="339520"/>
-          </a:xfrm>
-          <a:prstGeom prst="rect">
-            <a:avLst/>
-          </a:prstGeom>
-          <a:solidFill>
-            <a:schemeClr val="accent2">
-              <a:lumMod val="20000"/>
-              <a:lumOff val="80000"/>
-            </a:schemeClr>
-          </a:solidFill>
-          <a:ln w="12700">
-            <a:solidFill>
-              <a:schemeClr val="tx1"/>
-            </a:solidFill>
-          </a:ln>
-        </p:spPr>
-        <p:style>
-          <a:lnRef idx="2">
-            <a:schemeClr val="accent1">
-              <a:shade val="50000"/>
-            </a:schemeClr>
-          </a:lnRef>
-          <a:fillRef idx="1">
-            <a:schemeClr val="accent1"/>
-          </a:fillRef>
-          <a:effectRef idx="0">
-            <a:schemeClr val="accent1"/>
-          </a:effectRef>
-          <a:fontRef idx="minor">
-            <a:schemeClr val="lt1"/>
-          </a:fontRef>
-        </p:style>
-        <p:txBody>
-          <a:bodyPr rtlCol="0" anchor="ctr"/>
-          <a:lstStyle/>
-          <a:p>
-            <a:pPr algn="ctr"/>
-            <a:endParaRPr lang="it-IT"/>
-          </a:p>
-        </p:txBody>
-      </p:sp>
-      <p:sp>
-        <p:nvSpPr>
-          <p:cNvPr id="26" name="Triangolo isoscele 25">
-            <a:extLst>
-              <a:ext uri="{FF2B5EF4-FFF2-40B4-BE49-F238E27FC236}">
-                <a16:creationId xmlns:a16="http://schemas.microsoft.com/office/drawing/2014/main" id="{9CAE1808-6BAC-4DE6-B88B-C7DF4498F972}"/>
-              </a:ext>
-            </a:extLst>
-          </p:cNvPr>
-          <p:cNvSpPr/>
-          <p:nvPr/>
-        </p:nvSpPr>
-        <p:spPr>
-          <a:xfrm rot="16200000">
-            <a:off x="10302948" y="514679"/>
-            <a:ext cx="334579" cy="182501"/>
-          </a:xfrm>
-          <a:prstGeom prst="triangle">
-            <a:avLst/>
-          </a:prstGeom>
-          <a:solidFill>
-            <a:srgbClr val="FF0000"/>
-          </a:solidFill>
-          <a:ln w="12700">
-            <a:solidFill>
-              <a:schemeClr val="tx1"/>
-            </a:solidFill>
-          </a:ln>
-        </p:spPr>
-        <p:style>
-          <a:lnRef idx="2">
-            <a:schemeClr val="accent1">
-              <a:shade val="50000"/>
-            </a:schemeClr>
-          </a:lnRef>
-          <a:fillRef idx="1">
-            <a:schemeClr val="accent1"/>
-          </a:fillRef>
-          <a:effectRef idx="0">
-            <a:schemeClr val="accent1"/>
-          </a:effectRef>
-          <a:fontRef idx="minor">
-            <a:schemeClr val="lt1"/>
-          </a:fontRef>
-        </p:style>
-        <p:txBody>
-          <a:bodyPr rtlCol="0" anchor="ctr"/>
-          <a:lstStyle/>
-          <a:p>
-            <a:pPr algn="ctr"/>
-            <a:endParaRPr lang="it-IT"/>
-          </a:p>
-        </p:txBody>
-      </p:sp>
-      <p:sp>
-        <p:nvSpPr>
-          <p:cNvPr id="27" name="Triangolo isoscele 26">
-            <a:extLst>
-              <a:ext uri="{FF2B5EF4-FFF2-40B4-BE49-F238E27FC236}">
-                <a16:creationId xmlns:a16="http://schemas.microsoft.com/office/drawing/2014/main" id="{CC46F1F8-3ACE-4BB2-9921-DB49F6873A20}"/>
-              </a:ext>
-            </a:extLst>
-          </p:cNvPr>
-          <p:cNvSpPr/>
-          <p:nvPr/>
-        </p:nvSpPr>
-        <p:spPr>
-          <a:xfrm rot="16200000">
-            <a:off x="10054498" y="4476184"/>
-            <a:ext cx="334579" cy="182501"/>
-          </a:xfrm>
-          <a:prstGeom prst="triangle">
-            <a:avLst/>
-          </a:prstGeom>
-          <a:solidFill>
-            <a:srgbClr val="FF0000"/>
-          </a:solidFill>
-          <a:ln w="12700">
-            <a:solidFill>
-              <a:schemeClr val="tx1"/>
-            </a:solidFill>
-          </a:ln>
-        </p:spPr>
-        <p:style>
-          <a:lnRef idx="2">
-            <a:schemeClr val="accent1">
-              <a:shade val="50000"/>
-            </a:schemeClr>
-          </a:lnRef>
-          <a:fillRef idx="1">
-            <a:schemeClr val="accent1"/>
-          </a:fillRef>
-          <a:effectRef idx="0">
-            <a:schemeClr val="accent1"/>
-          </a:effectRef>
-          <a:fontRef idx="minor">
-            <a:schemeClr val="lt1"/>
-          </a:fontRef>
-        </p:style>
-        <p:txBody>
-          <a:bodyPr rtlCol="0" anchor="ctr"/>
-          <a:lstStyle/>
-          <a:p>
-            <a:pPr algn="ctr"/>
-            <a:endParaRPr lang="it-IT"/>
-          </a:p>
-        </p:txBody>
-      </p:sp>
-      <p:sp>
-        <p:nvSpPr>
-          <p:cNvPr id="28" name="Triangolo isoscele 27">
-            <a:extLst>
-              <a:ext uri="{FF2B5EF4-FFF2-40B4-BE49-F238E27FC236}">
-                <a16:creationId xmlns:a16="http://schemas.microsoft.com/office/drawing/2014/main" id="{970D0960-8DAD-462C-AEB8-6084C9782178}"/>
-              </a:ext>
-            </a:extLst>
-          </p:cNvPr>
-          <p:cNvSpPr/>
-          <p:nvPr/>
-        </p:nvSpPr>
-        <p:spPr>
-          <a:xfrm rot="16200000">
-            <a:off x="1723530" y="4878956"/>
-            <a:ext cx="334579" cy="182501"/>
-          </a:xfrm>
-          <a:prstGeom prst="triangle">
-            <a:avLst/>
-          </a:prstGeom>
-          <a:solidFill>
-            <a:srgbClr val="FF0000"/>
-          </a:solidFill>
-          <a:ln w="12700">
-            <a:solidFill>
-              <a:schemeClr val="tx1"/>
-            </a:solidFill>
-          </a:ln>
-        </p:spPr>
-        <p:style>
-          <a:lnRef idx="2">
-            <a:schemeClr val="accent1">
-              <a:shade val="50000"/>
-            </a:schemeClr>
-          </a:lnRef>
-          <a:fillRef idx="1">
-            <a:schemeClr val="accent1"/>
-          </a:fillRef>
-          <a:effectRef idx="0">
-            <a:schemeClr val="accent1"/>
-          </a:effectRef>
-          <a:fontRef idx="minor">
-            <a:schemeClr val="lt1"/>
-          </a:fontRef>
-        </p:style>
-        <p:txBody>
-          <a:bodyPr rtlCol="0" anchor="ctr"/>
-          <a:lstStyle/>
-          <a:p>
-            <a:pPr algn="ctr"/>
-            <a:endParaRPr lang="it-IT"/>
-          </a:p>
-        </p:txBody>
-      </p:sp>
-      <p:sp>
-        <p:nvSpPr>
-          <p:cNvPr id="29" name="Ovale 28">
-            <a:extLst>
-              <a:ext uri="{FF2B5EF4-FFF2-40B4-BE49-F238E27FC236}">
-                <a16:creationId xmlns:a16="http://schemas.microsoft.com/office/drawing/2014/main" id="{DF2514AF-7CB4-4E97-88AA-A7322A070659}"/>
-              </a:ext>
-            </a:extLst>
-          </p:cNvPr>
-          <p:cNvSpPr/>
-          <p:nvPr/>
-        </p:nvSpPr>
-        <p:spPr>
-          <a:xfrm>
-            <a:off x="5167298" y="2507918"/>
-            <a:ext cx="1857403" cy="1636769"/>
-          </a:xfrm>
-          <a:prstGeom prst="ellipse">
-            <a:avLst/>
-          </a:prstGeom>
-          <a:solidFill>
-            <a:schemeClr val="accent2">
-              <a:lumMod val="20000"/>
-              <a:lumOff val="80000"/>
-            </a:schemeClr>
-          </a:solidFill>
-          <a:ln w="12700">
-            <a:solidFill>
-              <a:schemeClr val="tx1"/>
-            </a:solidFill>
-          </a:ln>
-        </p:spPr>
-        <p:style>
-          <a:lnRef idx="2">
-            <a:schemeClr val="accent1">
-              <a:shade val="50000"/>
-            </a:schemeClr>
-          </a:lnRef>
-          <a:fillRef idx="1">
-            <a:schemeClr val="accent1"/>
-          </a:fillRef>
-          <a:effectRef idx="0">
-            <a:schemeClr val="accent1"/>
-          </a:effectRef>
-          <a:fontRef idx="minor">
-            <a:schemeClr val="lt1"/>
-          </a:fontRef>
-        </p:style>
-        <p:txBody>
-          <a:bodyPr rtlCol="0" anchor="ctr"/>
-          <a:lstStyle/>
-          <a:p>
-            <a:pPr algn="ctr"/>
-            <a:r>
-              <a:rPr lang="it-IT" sz="1400" dirty="0">
-                <a:solidFill>
-                  <a:schemeClr val="tx1"/>
-                </a:solidFill>
-                <a:latin typeface="Century Schoolbook" panose="02040604050505020304" pitchFamily="18" charset="0"/>
-              </a:rPr>
-              <a:t>Park Manager Service</a:t>
-            </a:r>
-          </a:p>
-          <a:p>
-            <a:pPr algn="ctr"/>
-            <a:r>
-              <a:rPr lang="it-IT" sz="1400" dirty="0">
-                <a:solidFill>
-                  <a:schemeClr val="tx1"/>
-                </a:solidFill>
-                <a:latin typeface="Century Schoolbook" panose="02040604050505020304" pitchFamily="18" charset="0"/>
-              </a:rPr>
-              <a:t>Actor</a:t>
-            </a:r>
-          </a:p>
-        </p:txBody>
-      </p:sp>
-      <p:sp>
-        <p:nvSpPr>
-          <p:cNvPr id="30" name="Triangolo isoscele 29">
-            <a:extLst>
-              <a:ext uri="{FF2B5EF4-FFF2-40B4-BE49-F238E27FC236}">
-                <a16:creationId xmlns:a16="http://schemas.microsoft.com/office/drawing/2014/main" id="{F00ED55C-50B1-4116-AE35-B24C0346EA9D}"/>
-              </a:ext>
-            </a:extLst>
-          </p:cNvPr>
-          <p:cNvSpPr/>
-          <p:nvPr/>
-        </p:nvSpPr>
-        <p:spPr>
-          <a:xfrm rot="16200000">
-            <a:off x="5890748" y="2416668"/>
-            <a:ext cx="334579" cy="182501"/>
-          </a:xfrm>
-          <a:prstGeom prst="triangle">
-            <a:avLst/>
-          </a:prstGeom>
-          <a:solidFill>
-            <a:srgbClr val="FF0000"/>
-          </a:solidFill>
-          <a:ln w="12700">
-            <a:solidFill>
-              <a:schemeClr val="tx1"/>
-            </a:solidFill>
-          </a:ln>
-        </p:spPr>
-        <p:style>
-          <a:lnRef idx="2">
-            <a:schemeClr val="accent1">
-              <a:shade val="50000"/>
-            </a:schemeClr>
-          </a:lnRef>
-          <a:fillRef idx="1">
-            <a:schemeClr val="accent1"/>
-          </a:fillRef>
-          <a:effectRef idx="0">
-            <a:schemeClr val="accent1"/>
-          </a:effectRef>
-          <a:fontRef idx="minor">
-            <a:schemeClr val="lt1"/>
-          </a:fontRef>
-        </p:style>
-        <p:txBody>
-          <a:bodyPr rtlCol="0" anchor="ctr"/>
-          <a:lstStyle/>
-          <a:p>
-            <a:pPr algn="ctr"/>
-            <a:endParaRPr lang="it-IT"/>
-          </a:p>
-        </p:txBody>
-      </p:sp>
-      <p:sp>
-        <p:nvSpPr>
-          <p:cNvPr id="31" name="Rettangolo 30">
-            <a:extLst>
-              <a:ext uri="{FF2B5EF4-FFF2-40B4-BE49-F238E27FC236}">
-                <a16:creationId xmlns:a16="http://schemas.microsoft.com/office/drawing/2014/main" id="{0531960E-FB0B-47EF-9792-36C0BECA7830}"/>
-              </a:ext>
-            </a:extLst>
-          </p:cNvPr>
-          <p:cNvSpPr/>
-          <p:nvPr/>
-        </p:nvSpPr>
-        <p:spPr>
-          <a:xfrm>
-            <a:off x="4787771" y="3170691"/>
-            <a:ext cx="714644" cy="339520"/>
-          </a:xfrm>
-          <a:prstGeom prst="rect">
-            <a:avLst/>
-          </a:prstGeom>
-          <a:solidFill>
-            <a:schemeClr val="accent2">
-              <a:lumMod val="20000"/>
-              <a:lumOff val="80000"/>
-            </a:schemeClr>
-          </a:solidFill>
-          <a:ln w="12700">
-            <a:solidFill>
-              <a:schemeClr val="tx1"/>
-            </a:solidFill>
-          </a:ln>
-        </p:spPr>
-        <p:style>
-          <a:lnRef idx="2">
-            <a:schemeClr val="accent1">
-              <a:shade val="50000"/>
-            </a:schemeClr>
-          </a:lnRef>
-          <a:fillRef idx="1">
-            <a:schemeClr val="accent1"/>
-          </a:fillRef>
-          <a:effectRef idx="0">
-            <a:schemeClr val="accent1"/>
-          </a:effectRef>
-          <a:fontRef idx="minor">
-            <a:schemeClr val="lt1"/>
-          </a:fontRef>
-        </p:style>
-        <p:txBody>
-          <a:bodyPr rtlCol="0" anchor="ctr"/>
-          <a:lstStyle/>
-          <a:p>
-            <a:pPr algn="ctr"/>
-            <a:endParaRPr lang="it-IT"/>
-          </a:p>
-        </p:txBody>
-      </p:sp>
-      <p:cxnSp>
-        <p:nvCxnSpPr>
-          <p:cNvPr id="33" name="Connettore 2 32">
-            <a:extLst>
-              <a:ext uri="{FF2B5EF4-FFF2-40B4-BE49-F238E27FC236}">
-                <a16:creationId xmlns:a16="http://schemas.microsoft.com/office/drawing/2014/main" id="{ABD3AF85-AC30-408D-B6E0-94354DFA2E74}"/>
-              </a:ext>
-            </a:extLst>
-          </p:cNvPr>
-          <p:cNvCxnSpPr>
-            <a:cxnSpLocks/>
-          </p:cNvCxnSpPr>
-          <p:nvPr/>
-        </p:nvCxnSpPr>
-        <p:spPr>
-          <a:xfrm flipV="1">
-            <a:off x="7139812" y="1881291"/>
-            <a:ext cx="1634592" cy="1027866"/>
-          </a:xfrm>
-          <a:prstGeom prst="straightConnector1">
-            <a:avLst/>
-          </a:prstGeom>
-          <a:ln w="9525" cap="flat" cmpd="sng" algn="ctr">
-            <a:solidFill>
-              <a:schemeClr val="accent5"/>
-            </a:solidFill>
-            <a:prstDash val="dash"/>
-            <a:round/>
-            <a:headEnd type="none" w="med" len="med"/>
-            <a:tailEnd type="triangle" w="med" len="med"/>
-          </a:ln>
-        </p:spPr>
-        <p:style>
-          <a:lnRef idx="0">
-            <a:scrgbClr r="0" g="0" b="0"/>
-          </a:lnRef>
-          <a:fillRef idx="0">
-            <a:scrgbClr r="0" g="0" b="0"/>
-          </a:fillRef>
-          <a:effectRef idx="0">
-            <a:scrgbClr r="0" g="0" b="0"/>
-          </a:effectRef>
-          <a:fontRef idx="minor">
-            <a:schemeClr val="tx1"/>
-          </a:fontRef>
-        </p:style>
-      </p:cxnSp>
-      <p:cxnSp>
-        <p:nvCxnSpPr>
-          <p:cNvPr id="35" name="Connettore curvo 34">
-            <a:extLst>
-              <a:ext uri="{FF2B5EF4-FFF2-40B4-BE49-F238E27FC236}">
-                <a16:creationId xmlns:a16="http://schemas.microsoft.com/office/drawing/2014/main" id="{21EAF4A3-F2E3-487E-9A41-3DC434EAC6F8}"/>
-              </a:ext>
-            </a:extLst>
-          </p:cNvPr>
-          <p:cNvCxnSpPr>
-            <a:cxnSpLocks/>
-          </p:cNvCxnSpPr>
-          <p:nvPr/>
-        </p:nvCxnSpPr>
-        <p:spPr>
-          <a:xfrm>
-            <a:off x="2874087" y="1532168"/>
-            <a:ext cx="1795304" cy="959321"/>
-          </a:xfrm>
-          <a:prstGeom prst="curvedConnector3">
-            <a:avLst>
-              <a:gd name="adj1" fmla="val 50000"/>
-            </a:avLst>
-          </a:prstGeom>
-          <a:ln>
-            <a:tailEnd type="triangle"/>
-          </a:ln>
-        </p:spPr>
-        <p:style>
-          <a:lnRef idx="1">
-            <a:schemeClr val="accent1"/>
-          </a:lnRef>
-          <a:fillRef idx="0">
-            <a:schemeClr val="accent1"/>
-          </a:fillRef>
-          <a:effectRef idx="0">
-            <a:schemeClr val="accent1"/>
-          </a:effectRef>
-          <a:fontRef idx="minor">
-            <a:schemeClr val="tx1"/>
-          </a:fontRef>
-        </p:style>
-      </p:cxnSp>
-      <p:cxnSp>
-        <p:nvCxnSpPr>
-          <p:cNvPr id="46" name="Connettore curvo 45">
-            <a:extLst>
-              <a:ext uri="{FF2B5EF4-FFF2-40B4-BE49-F238E27FC236}">
-                <a16:creationId xmlns:a16="http://schemas.microsoft.com/office/drawing/2014/main" id="{12F5519C-DF22-40CA-9CAF-B9D174D5C6FE}"/>
-              </a:ext>
-            </a:extLst>
-          </p:cNvPr>
-          <p:cNvCxnSpPr>
-            <a:cxnSpLocks/>
-          </p:cNvCxnSpPr>
-          <p:nvPr/>
-        </p:nvCxnSpPr>
-        <p:spPr>
-          <a:xfrm flipV="1">
-            <a:off x="2954639" y="3326303"/>
-            <a:ext cx="1578922" cy="571930"/>
-          </a:xfrm>
-          <a:prstGeom prst="curvedConnector3">
-            <a:avLst>
-              <a:gd name="adj1" fmla="val 50000"/>
-            </a:avLst>
-          </a:prstGeom>
-          <a:ln>
-            <a:tailEnd type="triangle"/>
-          </a:ln>
-        </p:spPr>
-        <p:style>
-          <a:lnRef idx="1">
-            <a:schemeClr val="accent1"/>
-          </a:lnRef>
-          <a:fillRef idx="0">
-            <a:schemeClr val="accent1"/>
-          </a:fillRef>
-          <a:effectRef idx="0">
-            <a:schemeClr val="accent1"/>
-          </a:effectRef>
-          <a:fontRef idx="minor">
-            <a:schemeClr val="tx1"/>
-          </a:fontRef>
-        </p:style>
-      </p:cxnSp>
-      <p:cxnSp>
-        <p:nvCxnSpPr>
-          <p:cNvPr id="48" name="Connettore curvo 47">
-            <a:extLst>
-              <a:ext uri="{FF2B5EF4-FFF2-40B4-BE49-F238E27FC236}">
-                <a16:creationId xmlns:a16="http://schemas.microsoft.com/office/drawing/2014/main" id="{2CB742AF-7339-4200-B324-CB07BDC935DA}"/>
-              </a:ext>
-            </a:extLst>
-          </p:cNvPr>
-          <p:cNvCxnSpPr>
-            <a:cxnSpLocks/>
-          </p:cNvCxnSpPr>
-          <p:nvPr/>
-        </p:nvCxnSpPr>
-        <p:spPr>
-          <a:xfrm rot="5400000" flipH="1" flipV="1">
-            <a:off x="3166791" y="4138419"/>
-            <a:ext cx="1658771" cy="1641574"/>
-          </a:xfrm>
-          <a:prstGeom prst="curvedConnector3">
-            <a:avLst>
-              <a:gd name="adj1" fmla="val 50000"/>
-            </a:avLst>
-          </a:prstGeom>
-          <a:ln>
-            <a:tailEnd type="triangle"/>
-          </a:ln>
-        </p:spPr>
-        <p:style>
-          <a:lnRef idx="1">
-            <a:schemeClr val="accent1"/>
-          </a:lnRef>
-          <a:fillRef idx="0">
-            <a:schemeClr val="accent1"/>
-          </a:fillRef>
-          <a:effectRef idx="0">
-            <a:schemeClr val="accent1"/>
-          </a:effectRef>
-          <a:fontRef idx="minor">
-            <a:schemeClr val="tx1"/>
-          </a:fontRef>
-        </p:style>
-      </p:cxnSp>
-      <p:cxnSp>
-        <p:nvCxnSpPr>
-          <p:cNvPr id="54" name="Connettore 2 53">
-            <a:extLst>
-              <a:ext uri="{FF2B5EF4-FFF2-40B4-BE49-F238E27FC236}">
-                <a16:creationId xmlns:a16="http://schemas.microsoft.com/office/drawing/2014/main" id="{C15AF3BC-1C0A-43A9-9AD8-2F79B2E21BFE}"/>
-              </a:ext>
-            </a:extLst>
-          </p:cNvPr>
-          <p:cNvCxnSpPr>
-            <a:cxnSpLocks/>
-          </p:cNvCxnSpPr>
-          <p:nvPr/>
-        </p:nvCxnSpPr>
-        <p:spPr>
-          <a:xfrm>
-            <a:off x="7253973" y="3550707"/>
-            <a:ext cx="1950176" cy="877939"/>
-          </a:xfrm>
-          <a:prstGeom prst="straightConnector1">
-            <a:avLst/>
-          </a:prstGeom>
-          <a:ln>
-            <a:tailEnd type="triangle"/>
-          </a:ln>
-        </p:spPr>
-        <p:style>
-          <a:lnRef idx="1">
-            <a:schemeClr val="accent1"/>
-          </a:lnRef>
-          <a:fillRef idx="0">
-            <a:schemeClr val="accent1"/>
-          </a:fillRef>
-          <a:effectRef idx="0">
-            <a:schemeClr val="accent1"/>
-          </a:effectRef>
-          <a:fontRef idx="minor">
-            <a:schemeClr val="tx1"/>
-          </a:fontRef>
-        </p:style>
-      </p:cxnSp>
-      <p:cxnSp>
-        <p:nvCxnSpPr>
-          <p:cNvPr id="56" name="Connettore 2 55">
-            <a:extLst>
-              <a:ext uri="{FF2B5EF4-FFF2-40B4-BE49-F238E27FC236}">
-                <a16:creationId xmlns:a16="http://schemas.microsoft.com/office/drawing/2014/main" id="{EED23620-F9A1-4F4D-9E14-506FFE826E62}"/>
-              </a:ext>
-            </a:extLst>
-          </p:cNvPr>
-          <p:cNvCxnSpPr>
-            <a:cxnSpLocks/>
-          </p:cNvCxnSpPr>
-          <p:nvPr/>
-        </p:nvCxnSpPr>
-        <p:spPr>
-          <a:xfrm flipH="1" flipV="1">
-            <a:off x="7058974" y="3920809"/>
-            <a:ext cx="2055618" cy="927596"/>
-          </a:xfrm>
-          <a:prstGeom prst="straightConnector1">
-            <a:avLst/>
-          </a:prstGeom>
-          <a:ln>
-            <a:tailEnd type="triangle"/>
-          </a:ln>
-        </p:spPr>
-        <p:style>
-          <a:lnRef idx="1">
-            <a:schemeClr val="accent1"/>
-          </a:lnRef>
-          <a:fillRef idx="0">
-            <a:schemeClr val="accent1"/>
-          </a:fillRef>
-          <a:effectRef idx="0">
-            <a:schemeClr val="accent1"/>
-          </a:effectRef>
-          <a:fontRef idx="minor">
-            <a:schemeClr val="tx1"/>
-          </a:fontRef>
-        </p:style>
-      </p:cxnSp>
-    </p:spTree>
-    <p:extLst>
-      <p:ext uri="{BB962C8B-B14F-4D97-AF65-F5344CB8AC3E}">
-        <p14:creationId xmlns:p14="http://schemas.microsoft.com/office/powerpoint/2010/main" val="1405365391"/>
-      </p:ext>
-    </p:extLst>
-  </p:cSld>
-  <p:clrMapOvr>
-    <a:masterClrMapping/>
-  </p:clrMapOvr>
-</p:sld>
-</file>
-
-<file path=ppt/slides/slide2.xml><?xml version="1.0" encoding="utf-8"?>
-<p:sld xmlns:a="http://schemas.openxmlformats.org/drawingml/2006/main" xmlns:r="http://schemas.openxmlformats.org/officeDocument/2006/relationships" xmlns:p="http://schemas.openxmlformats.org/presentationml/2006/main">
-  <p:cSld>
-    <p:spTree>
-      <p:nvGrpSpPr>
-        <p:cNvPr id="1" name=""/>
-        <p:cNvGrpSpPr/>
-        <p:nvPr/>
-      </p:nvGrpSpPr>
-      <p:grpSpPr>
-        <a:xfrm>
-          <a:off x="0" y="0"/>
-          <a:ext cx="0" cy="0"/>
-          <a:chOff x="0" y="0"/>
-          <a:chExt cx="0" cy="0"/>
-        </a:xfrm>
-      </p:grpSpPr>
-      <p:sp>
-        <p:nvSpPr>
-          <p:cNvPr id="4" name="Ovale 3">
-            <a:extLst>
-              <a:ext uri="{FF2B5EF4-FFF2-40B4-BE49-F238E27FC236}">
                 <a16:creationId xmlns:a16="http://schemas.microsoft.com/office/drawing/2014/main" id="{1BEB7554-A0A5-4F1F-A789-3C445D500E5A}"/>
               </a:ext>
             </a:extLst>
@@ -5352,7 +3929,7 @@
 </p:sld>
 </file>
 
-<file path=ppt/slides/slide3.xml><?xml version="1.0" encoding="utf-8"?>
+<file path=ppt/slides/slide2.xml><?xml version="1.0" encoding="utf-8"?>
 <p:sld xmlns:a="http://schemas.openxmlformats.org/drawingml/2006/main" xmlns:r="http://schemas.openxmlformats.org/officeDocument/2006/relationships" xmlns:p="http://schemas.openxmlformats.org/presentationml/2006/main">
   <p:cSld>
     <p:spTree>
@@ -6139,7 +4716,7 @@
 </p:sld>
 </file>
 
-<file path=ppt/slides/slide4.xml><?xml version="1.0" encoding="utf-8"?>
+<file path=ppt/slides/slide3.xml><?xml version="1.0" encoding="utf-8"?>
 <p:sld xmlns:a="http://schemas.openxmlformats.org/drawingml/2006/main" xmlns:r="http://schemas.openxmlformats.org/officeDocument/2006/relationships" xmlns:p="http://schemas.openxmlformats.org/presentationml/2006/main">
   <p:cSld>
     <p:spTree>
@@ -7612,13 +6189,13 @@
           <p:nvPr/>
         </p:nvPicPr>
         <p:blipFill>
-          <a:blip r:embed="rId2">
+          <a:blip r:embed="rId2" cstate="hqprint">
             <a:extLst>
               <a:ext uri="{28A0092B-C50C-407E-A947-70E740481C1C}">
                 <a14:useLocalDpi xmlns:a14="http://schemas.microsoft.com/office/drawing/2010/main" val="0"/>
               </a:ext>
               <a:ext uri="{96DAC541-7B7A-43D3-8B79-37D633B846F1}">
-                <asvg:svgBlip xmlns:asvg="http://schemas.microsoft.com/office/drawing/2016/SVG/main" r:embed="rId3"/>
+                <asvg:svgBlip xmlns:asvg="http://schemas.microsoft.com/office/drawing/2016/SVG/main" xmlns="" r:embed="rId3"/>
               </a:ext>
             </a:extLst>
           </a:blip>
